--- a/Apresentação.pptx
+++ b/Apresentação.pptx
@@ -5,7 +5,7 @@
     <p:sldMasterId id="2147483648" r:id="rId1"/>
   </p:sldMasterIdLst>
   <p:notesMasterIdLst>
-    <p:notesMasterId r:id="rId17"/>
+    <p:notesMasterId r:id="rId21"/>
   </p:notesMasterIdLst>
   <p:sldIdLst>
     <p:sldId id="282" r:id="rId2"/>
@@ -19,10 +19,14 @@
     <p:sldId id="294" r:id="rId10"/>
     <p:sldId id="296" r:id="rId11"/>
     <p:sldId id="262" r:id="rId12"/>
-    <p:sldId id="264" r:id="rId13"/>
-    <p:sldId id="297" r:id="rId14"/>
-    <p:sldId id="298" r:id="rId15"/>
-    <p:sldId id="275" r:id="rId16"/>
+    <p:sldId id="304" r:id="rId13"/>
+    <p:sldId id="299" r:id="rId14"/>
+    <p:sldId id="264" r:id="rId15"/>
+    <p:sldId id="301" r:id="rId16"/>
+    <p:sldId id="297" r:id="rId17"/>
+    <p:sldId id="298" r:id="rId18"/>
+    <p:sldId id="303" r:id="rId19"/>
+    <p:sldId id="275" r:id="rId20"/>
   </p:sldIdLst>
   <p:sldSz cx="9144000" cy="6858000" type="screen4x3"/>
   <p:notesSz cx="6858000" cy="9144000"/>
@@ -222,7 +226,7 @@
           <a:p>
             <a:fld id="{12028CC1-B90E-47D8-99C5-6BAA1811C342}" type="datetimeFigureOut">
               <a:rPr lang="pt-BR" smtClean="0"/>
-              <a:t>14/02/2022</a:t>
+              <a:t>15/02/2022</a:t>
             </a:fld>
             <a:endParaRPr lang="pt-BR" dirty="0"/>
           </a:p>
@@ -668,7 +672,7 @@
           <a:p>
             <a:fld id="{F3B4B977-AD5C-4F3D-992F-860711DBDA8C}" type="datetimeFigureOut">
               <a:rPr lang="pt-BR" smtClean="0"/>
-              <a:t>14/02/2022</a:t>
+              <a:t>15/02/2022</a:t>
             </a:fld>
             <a:endParaRPr lang="pt-BR" dirty="0"/>
           </a:p>
@@ -836,7 +840,7 @@
           <a:p>
             <a:fld id="{F3B4B977-AD5C-4F3D-992F-860711DBDA8C}" type="datetimeFigureOut">
               <a:rPr lang="pt-BR" smtClean="0"/>
-              <a:t>14/02/2022</a:t>
+              <a:t>15/02/2022</a:t>
             </a:fld>
             <a:endParaRPr lang="pt-BR" dirty="0"/>
           </a:p>
@@ -1014,7 +1018,7 @@
           <a:p>
             <a:fld id="{F3B4B977-AD5C-4F3D-992F-860711DBDA8C}" type="datetimeFigureOut">
               <a:rPr lang="pt-BR" smtClean="0"/>
-              <a:t>14/02/2022</a:t>
+              <a:t>15/02/2022</a:t>
             </a:fld>
             <a:endParaRPr lang="pt-BR" dirty="0"/>
           </a:p>
@@ -1182,7 +1186,7 @@
           <a:p>
             <a:fld id="{F3B4B977-AD5C-4F3D-992F-860711DBDA8C}" type="datetimeFigureOut">
               <a:rPr lang="pt-BR" smtClean="0"/>
-              <a:t>14/02/2022</a:t>
+              <a:t>15/02/2022</a:t>
             </a:fld>
             <a:endParaRPr lang="pt-BR" dirty="0"/>
           </a:p>
@@ -1427,7 +1431,7 @@
           <a:p>
             <a:fld id="{F3B4B977-AD5C-4F3D-992F-860711DBDA8C}" type="datetimeFigureOut">
               <a:rPr lang="pt-BR" smtClean="0"/>
-              <a:t>14/02/2022</a:t>
+              <a:t>15/02/2022</a:t>
             </a:fld>
             <a:endParaRPr lang="pt-BR" dirty="0"/>
           </a:p>
@@ -1712,7 +1716,7 @@
           <a:p>
             <a:fld id="{F3B4B977-AD5C-4F3D-992F-860711DBDA8C}" type="datetimeFigureOut">
               <a:rPr lang="pt-BR" smtClean="0"/>
-              <a:t>14/02/2022</a:t>
+              <a:t>15/02/2022</a:t>
             </a:fld>
             <a:endParaRPr lang="pt-BR" dirty="0"/>
           </a:p>
@@ -2131,7 +2135,7 @@
           <a:p>
             <a:fld id="{F3B4B977-AD5C-4F3D-992F-860711DBDA8C}" type="datetimeFigureOut">
               <a:rPr lang="pt-BR" smtClean="0"/>
-              <a:t>14/02/2022</a:t>
+              <a:t>15/02/2022</a:t>
             </a:fld>
             <a:endParaRPr lang="pt-BR" dirty="0"/>
           </a:p>
@@ -2248,7 +2252,7 @@
           <a:p>
             <a:fld id="{F3B4B977-AD5C-4F3D-992F-860711DBDA8C}" type="datetimeFigureOut">
               <a:rPr lang="pt-BR" smtClean="0"/>
-              <a:t>14/02/2022</a:t>
+              <a:t>15/02/2022</a:t>
             </a:fld>
             <a:endParaRPr lang="pt-BR" dirty="0"/>
           </a:p>
@@ -2343,7 +2347,7 @@
           <a:p>
             <a:fld id="{F3B4B977-AD5C-4F3D-992F-860711DBDA8C}" type="datetimeFigureOut">
               <a:rPr lang="pt-BR" smtClean="0"/>
-              <a:t>14/02/2022</a:t>
+              <a:t>15/02/2022</a:t>
             </a:fld>
             <a:endParaRPr lang="pt-BR" dirty="0"/>
           </a:p>
@@ -2618,7 +2622,7 @@
           <a:p>
             <a:fld id="{F3B4B977-AD5C-4F3D-992F-860711DBDA8C}" type="datetimeFigureOut">
               <a:rPr lang="pt-BR" smtClean="0"/>
-              <a:t>14/02/2022</a:t>
+              <a:t>15/02/2022</a:t>
             </a:fld>
             <a:endParaRPr lang="pt-BR" dirty="0"/>
           </a:p>
@@ -2870,7 +2874,7 @@
           <a:p>
             <a:fld id="{F3B4B977-AD5C-4F3D-992F-860711DBDA8C}" type="datetimeFigureOut">
               <a:rPr lang="pt-BR" smtClean="0"/>
-              <a:t>14/02/2022</a:t>
+              <a:t>15/02/2022</a:t>
             </a:fld>
             <a:endParaRPr lang="pt-BR" dirty="0"/>
           </a:p>
@@ -3086,7 +3090,7 @@
           <a:p>
             <a:fld id="{F3B4B977-AD5C-4F3D-992F-860711DBDA8C}" type="datetimeFigureOut">
               <a:rPr lang="pt-BR" smtClean="0"/>
-              <a:t>14/02/2022</a:t>
+              <a:t>15/02/2022</a:t>
             </a:fld>
             <a:endParaRPr lang="pt-BR" dirty="0"/>
           </a:p>
@@ -3938,10 +3942,10 @@
       </p:sp>
       <p:pic>
         <p:nvPicPr>
-          <p:cNvPr id="5" name="Imagem 4">
+          <p:cNvPr id="12" name="Imagem 11">
             <a:extLst>
               <a:ext uri="{FF2B5EF4-FFF2-40B4-BE49-F238E27FC236}">
-                <a16:creationId xmlns:a16="http://schemas.microsoft.com/office/drawing/2014/main" id="{D6BFD3CE-8FF3-4FCE-9932-F09D2892E301}"/>
+                <a16:creationId xmlns:a16="http://schemas.microsoft.com/office/drawing/2014/main" id="{562E6B09-A1D7-42D6-8394-FAF5F02C8B05}"/>
               </a:ext>
             </a:extLst>
           </p:cNvPr>
@@ -3958,8 +3962,8 @@
         </p:blipFill>
         <p:spPr>
           <a:xfrm>
-            <a:off x="1347899" y="1168974"/>
-            <a:ext cx="6448202" cy="5052977"/>
+            <a:off x="2396302" y="1340768"/>
+            <a:ext cx="4351396" cy="4864140"/>
           </a:xfrm>
           <a:prstGeom prst="rect">
             <a:avLst/>
@@ -4028,6 +4032,39 @@
       </p:pic>
       <p:sp>
         <p:nvSpPr>
+          <p:cNvPr id="10" name="CaixaDeTexto 9"/>
+          <p:cNvSpPr txBox="1"/>
+          <p:nvPr/>
+        </p:nvSpPr>
+        <p:spPr>
+          <a:xfrm>
+            <a:off x="393548" y="333523"/>
+            <a:ext cx="7058771" cy="646331"/>
+          </a:xfrm>
+          <a:prstGeom prst="rect">
+            <a:avLst/>
+          </a:prstGeom>
+          <a:noFill/>
+        </p:spPr>
+        <p:txBody>
+          <a:bodyPr wrap="square" rtlCol="0">
+            <a:spAutoFit/>
+          </a:bodyPr>
+          <a:lstStyle/>
+          <a:p>
+            <a:r>
+              <a:rPr lang="pt-BR" sz="3600" b="1" dirty="0">
+                <a:latin typeface="Verdana" panose="020B0604030504040204" pitchFamily="34" charset="0"/>
+                <a:ea typeface="Verdana" panose="020B0604030504040204" pitchFamily="34" charset="0"/>
+                <a:cs typeface="Verdana" panose="020B0604030504040204" pitchFamily="34" charset="0"/>
+              </a:rPr>
+              <a:t>Classe Cliente</a:t>
+            </a:r>
+          </a:p>
+        </p:txBody>
+      </p:sp>
+      <p:sp>
+        <p:nvSpPr>
           <p:cNvPr id="13" name="Retângulo 12"/>
           <p:cNvSpPr/>
           <p:nvPr/>
@@ -4077,7 +4114,7 @@
           <p:cNvPr id="3" name="Imagem 2">
             <a:extLst>
               <a:ext uri="{FF2B5EF4-FFF2-40B4-BE49-F238E27FC236}">
-                <a16:creationId xmlns:a16="http://schemas.microsoft.com/office/drawing/2014/main" id="{04CCF32C-18BC-4E7F-BC9A-40E54DBDCCBD}"/>
+                <a16:creationId xmlns:a16="http://schemas.microsoft.com/office/drawing/2014/main" id="{D6654755-B7C5-42F5-9454-3E135A64C579}"/>
               </a:ext>
             </a:extLst>
           </p:cNvPr>
@@ -4094,8 +4131,8 @@
         </p:blipFill>
         <p:spPr>
           <a:xfrm>
-            <a:off x="633413" y="698008"/>
-            <a:ext cx="7877175" cy="2514600"/>
+            <a:off x="360421" y="1164196"/>
+            <a:ext cx="8410575" cy="2137189"/>
           </a:xfrm>
           <a:prstGeom prst="rect">
             <a:avLst/>
@@ -4104,10 +4141,10 @@
       </p:pic>
       <p:pic>
         <p:nvPicPr>
-          <p:cNvPr id="5" name="Imagem 4">
+          <p:cNvPr id="6" name="Imagem 5">
             <a:extLst>
               <a:ext uri="{FF2B5EF4-FFF2-40B4-BE49-F238E27FC236}">
-                <a16:creationId xmlns:a16="http://schemas.microsoft.com/office/drawing/2014/main" id="{4ED7E7D6-5671-409C-A513-53C09F8361BB}"/>
+                <a16:creationId xmlns:a16="http://schemas.microsoft.com/office/drawing/2014/main" id="{7898CA72-4C53-4637-B647-B21D5C7B7E04}"/>
               </a:ext>
             </a:extLst>
           </p:cNvPr>
@@ -4124,8 +4161,8 @@
         </p:blipFill>
         <p:spPr>
           <a:xfrm>
-            <a:off x="633412" y="3861048"/>
-            <a:ext cx="7877176" cy="1655448"/>
+            <a:off x="360420" y="3333377"/>
+            <a:ext cx="8410575" cy="2895600"/>
           </a:xfrm>
           <a:prstGeom prst="rect">
             <a:avLst/>
@@ -4135,7 +4172,7 @@
     </p:spTree>
     <p:extLst>
       <p:ext uri="{BB962C8B-B14F-4D97-AF65-F5344CB8AC3E}">
-        <p14:creationId xmlns:p14="http://schemas.microsoft.com/office/powerpoint/2010/main" val="3061587930"/>
+        <p14:creationId xmlns:p14="http://schemas.microsoft.com/office/powerpoint/2010/main" val="3376942091"/>
       </p:ext>
     </p:extLst>
   </p:cSld>
@@ -4194,39 +4231,6 @@
       </p:pic>
       <p:sp>
         <p:nvSpPr>
-          <p:cNvPr id="10" name="CaixaDeTexto 9"/>
-          <p:cNvSpPr txBox="1"/>
-          <p:nvPr/>
-        </p:nvSpPr>
-        <p:spPr>
-          <a:xfrm>
-            <a:off x="393548" y="333523"/>
-            <a:ext cx="7058771" cy="646331"/>
-          </a:xfrm>
-          <a:prstGeom prst="rect">
-            <a:avLst/>
-          </a:prstGeom>
-          <a:noFill/>
-        </p:spPr>
-        <p:txBody>
-          <a:bodyPr wrap="square" rtlCol="0">
-            <a:spAutoFit/>
-          </a:bodyPr>
-          <a:lstStyle/>
-          <a:p>
-            <a:r>
-              <a:rPr lang="pt-BR" sz="3600" b="1" dirty="0">
-                <a:latin typeface="Verdana" panose="020B0604030504040204" pitchFamily="34" charset="0"/>
-                <a:ea typeface="Verdana" panose="020B0604030504040204" pitchFamily="34" charset="0"/>
-                <a:cs typeface="Verdana" panose="020B0604030504040204" pitchFamily="34" charset="0"/>
-              </a:rPr>
-              <a:t>Classe Cliente - Thread</a:t>
-            </a:r>
-          </a:p>
-        </p:txBody>
-      </p:sp>
-      <p:sp>
-        <p:nvSpPr>
           <p:cNvPr id="13" name="Retângulo 12"/>
           <p:cNvSpPr/>
           <p:nvPr/>
@@ -4273,10 +4277,10 @@
       </p:sp>
       <p:pic>
         <p:nvPicPr>
-          <p:cNvPr id="3" name="Imagem 2">
+          <p:cNvPr id="5" name="Imagem 4">
             <a:extLst>
               <a:ext uri="{FF2B5EF4-FFF2-40B4-BE49-F238E27FC236}">
-                <a16:creationId xmlns:a16="http://schemas.microsoft.com/office/drawing/2014/main" id="{11C762CE-EF39-4C34-AE11-19C289704C73}"/>
+                <a16:creationId xmlns:a16="http://schemas.microsoft.com/office/drawing/2014/main" id="{D6BFD3CE-8FF3-4FCE-9932-F09D2892E301}"/>
               </a:ext>
             </a:extLst>
           </p:cNvPr>
@@ -4293,8 +4297,8 @@
         </p:blipFill>
         <p:spPr>
           <a:xfrm>
-            <a:off x="287015" y="2137406"/>
-            <a:ext cx="8562975" cy="2943225"/>
+            <a:off x="1056346" y="492662"/>
+            <a:ext cx="7040525" cy="5517137"/>
           </a:xfrm>
           <a:prstGeom prst="rect">
             <a:avLst/>
@@ -4304,7 +4308,7 @@
     </p:spTree>
     <p:extLst>
       <p:ext uri="{BB962C8B-B14F-4D97-AF65-F5344CB8AC3E}">
-        <p14:creationId xmlns:p14="http://schemas.microsoft.com/office/powerpoint/2010/main" val="930462858"/>
+        <p14:creationId xmlns:p14="http://schemas.microsoft.com/office/powerpoint/2010/main" val="2109974404"/>
       </p:ext>
     </p:extLst>
   </p:cSld>
@@ -4363,39 +4367,6 @@
       </p:pic>
       <p:sp>
         <p:nvSpPr>
-          <p:cNvPr id="10" name="CaixaDeTexto 9"/>
-          <p:cNvSpPr txBox="1"/>
-          <p:nvPr/>
-        </p:nvSpPr>
-        <p:spPr>
-          <a:xfrm>
-            <a:off x="393548" y="301237"/>
-            <a:ext cx="7994876" cy="646331"/>
-          </a:xfrm>
-          <a:prstGeom prst="rect">
-            <a:avLst/>
-          </a:prstGeom>
-          <a:noFill/>
-        </p:spPr>
-        <p:txBody>
-          <a:bodyPr wrap="square" rtlCol="0">
-            <a:spAutoFit/>
-          </a:bodyPr>
-          <a:lstStyle/>
-          <a:p>
-            <a:r>
-              <a:rPr lang="pt-BR" sz="3600" b="1" dirty="0">
-                <a:latin typeface="Verdana" panose="020B0604030504040204" pitchFamily="34" charset="0"/>
-                <a:ea typeface="Verdana" panose="020B0604030504040204" pitchFamily="34" charset="0"/>
-                <a:cs typeface="Verdana" panose="020B0604030504040204" pitchFamily="34" charset="0"/>
-              </a:rPr>
-              <a:t>Classe Cliente – Thread</a:t>
-            </a:r>
-          </a:p>
-        </p:txBody>
-      </p:sp>
-      <p:sp>
-        <p:nvSpPr>
           <p:cNvPr id="13" name="Retângulo 12"/>
           <p:cNvSpPr/>
           <p:nvPr/>
@@ -4442,10 +4413,10 @@
       </p:sp>
       <p:pic>
         <p:nvPicPr>
-          <p:cNvPr id="6" name="Imagem 5">
+          <p:cNvPr id="3" name="Imagem 2">
             <a:extLst>
               <a:ext uri="{FF2B5EF4-FFF2-40B4-BE49-F238E27FC236}">
-                <a16:creationId xmlns:a16="http://schemas.microsoft.com/office/drawing/2014/main" id="{71DCFC62-DA09-4182-AB6D-5C437D19E11F}"/>
+                <a16:creationId xmlns:a16="http://schemas.microsoft.com/office/drawing/2014/main" id="{04CCF32C-18BC-4E7F-BC9A-40E54DBDCCBD}"/>
               </a:ext>
             </a:extLst>
           </p:cNvPr>
@@ -4462,8 +4433,8 @@
         </p:blipFill>
         <p:spPr>
           <a:xfrm>
-            <a:off x="1862966" y="1058427"/>
-            <a:ext cx="5056040" cy="5101183"/>
+            <a:off x="633412" y="2171700"/>
+            <a:ext cx="7877175" cy="2514600"/>
           </a:xfrm>
           <a:prstGeom prst="rect">
             <a:avLst/>
@@ -4473,7 +4444,7 @@
     </p:spTree>
     <p:extLst>
       <p:ext uri="{BB962C8B-B14F-4D97-AF65-F5344CB8AC3E}">
-        <p14:creationId xmlns:p14="http://schemas.microsoft.com/office/powerpoint/2010/main" val="2471675627"/>
+        <p14:creationId xmlns:p14="http://schemas.microsoft.com/office/powerpoint/2010/main" val="3061587930"/>
       </p:ext>
     </p:extLst>
   </p:cSld>
@@ -4532,6 +4503,583 @@
       </p:pic>
       <p:sp>
         <p:nvSpPr>
+          <p:cNvPr id="13" name="Retângulo 12"/>
+          <p:cNvSpPr/>
+          <p:nvPr/>
+        </p:nvSpPr>
+        <p:spPr>
+          <a:xfrm flipV="1">
+            <a:off x="-36512" y="476670"/>
+            <a:ext cx="323528" cy="360039"/>
+          </a:xfrm>
+          <a:prstGeom prst="rect">
+            <a:avLst/>
+          </a:prstGeom>
+          <a:solidFill>
+            <a:srgbClr val="149B55"/>
+          </a:solidFill>
+          <a:ln>
+            <a:noFill/>
+          </a:ln>
+        </p:spPr>
+        <p:style>
+          <a:lnRef idx="2">
+            <a:schemeClr val="accent1">
+              <a:shade val="50000"/>
+            </a:schemeClr>
+          </a:lnRef>
+          <a:fillRef idx="1">
+            <a:schemeClr val="accent1"/>
+          </a:fillRef>
+          <a:effectRef idx="0">
+            <a:schemeClr val="accent1"/>
+          </a:effectRef>
+          <a:fontRef idx="minor">
+            <a:schemeClr val="lt1"/>
+          </a:fontRef>
+        </p:style>
+        <p:txBody>
+          <a:bodyPr rtlCol="0" anchor="ctr"/>
+          <a:lstStyle/>
+          <a:p>
+            <a:pPr algn="ctr"/>
+            <a:endParaRPr lang="pt-BR" dirty="0"/>
+          </a:p>
+        </p:txBody>
+      </p:sp>
+      <p:pic>
+        <p:nvPicPr>
+          <p:cNvPr id="4" name="Imagem 3">
+            <a:extLst>
+              <a:ext uri="{FF2B5EF4-FFF2-40B4-BE49-F238E27FC236}">
+                <a16:creationId xmlns:a16="http://schemas.microsoft.com/office/drawing/2014/main" id="{6181ECFD-82D2-41CE-8DC5-C6921297AB74}"/>
+              </a:ext>
+            </a:extLst>
+          </p:cNvPr>
+          <p:cNvPicPr>
+            <a:picLocks noChangeAspect="1"/>
+          </p:cNvPicPr>
+          <p:nvPr/>
+        </p:nvPicPr>
+        <p:blipFill>
+          <a:blip r:embed="rId3"/>
+          <a:stretch>
+            <a:fillRect/>
+          </a:stretch>
+        </p:blipFill>
+        <p:spPr>
+          <a:xfrm>
+            <a:off x="296398" y="1525360"/>
+            <a:ext cx="8551204" cy="3807280"/>
+          </a:xfrm>
+          <a:prstGeom prst="rect">
+            <a:avLst/>
+          </a:prstGeom>
+        </p:spPr>
+      </p:pic>
+    </p:spTree>
+    <p:extLst>
+      <p:ext uri="{BB962C8B-B14F-4D97-AF65-F5344CB8AC3E}">
+        <p14:creationId xmlns:p14="http://schemas.microsoft.com/office/powerpoint/2010/main" val="2762846321"/>
+      </p:ext>
+    </p:extLst>
+  </p:cSld>
+  <p:clrMapOvr>
+    <a:masterClrMapping/>
+  </p:clrMapOvr>
+</p:sld>
+</file>
+
+<file path=ppt/slides/slide16.xml><?xml version="1.0" encoding="utf-8"?>
+<p:sld xmlns:a="http://schemas.openxmlformats.org/drawingml/2006/main" xmlns:r="http://schemas.openxmlformats.org/officeDocument/2006/relationships" xmlns:p="http://schemas.openxmlformats.org/presentationml/2006/main">
+  <p:cSld>
+    <p:spTree>
+      <p:nvGrpSpPr>
+        <p:cNvPr id="1" name=""/>
+        <p:cNvGrpSpPr/>
+        <p:nvPr/>
+      </p:nvGrpSpPr>
+      <p:grpSpPr>
+        <a:xfrm>
+          <a:off x="0" y="0"/>
+          <a:ext cx="0" cy="0"/>
+          <a:chOff x="0" y="0"/>
+          <a:chExt cx="0" cy="0"/>
+        </a:xfrm>
+      </p:grpSpPr>
+      <p:pic>
+        <p:nvPicPr>
+          <p:cNvPr id="8" name="Imagem 7"/>
+          <p:cNvPicPr>
+            <a:picLocks noChangeAspect="1"/>
+          </p:cNvPicPr>
+          <p:nvPr/>
+        </p:nvPicPr>
+        <p:blipFill>
+          <a:blip r:embed="rId2" cstate="print">
+            <a:extLst>
+              <a:ext uri="{28A0092B-C50C-407E-A947-70E740481C1C}">
+                <a14:useLocalDpi xmlns:a14="http://schemas.microsoft.com/office/drawing/2010/main" val="0"/>
+              </a:ext>
+            </a:extLst>
+          </a:blip>
+          <a:stretch>
+            <a:fillRect/>
+          </a:stretch>
+        </p:blipFill>
+        <p:spPr>
+          <a:xfrm>
+            <a:off x="287015" y="6381328"/>
+            <a:ext cx="1672379" cy="291764"/>
+          </a:xfrm>
+          <a:prstGeom prst="rect">
+            <a:avLst/>
+          </a:prstGeom>
+        </p:spPr>
+      </p:pic>
+      <p:sp>
+        <p:nvSpPr>
+          <p:cNvPr id="10" name="CaixaDeTexto 9"/>
+          <p:cNvSpPr txBox="1"/>
+          <p:nvPr/>
+        </p:nvSpPr>
+        <p:spPr>
+          <a:xfrm>
+            <a:off x="393548" y="333523"/>
+            <a:ext cx="7058771" cy="646331"/>
+          </a:xfrm>
+          <a:prstGeom prst="rect">
+            <a:avLst/>
+          </a:prstGeom>
+          <a:noFill/>
+        </p:spPr>
+        <p:txBody>
+          <a:bodyPr wrap="square" rtlCol="0">
+            <a:spAutoFit/>
+          </a:bodyPr>
+          <a:lstStyle/>
+          <a:p>
+            <a:r>
+              <a:rPr lang="pt-BR" sz="3600" b="1" dirty="0">
+                <a:latin typeface="Verdana" panose="020B0604030504040204" pitchFamily="34" charset="0"/>
+                <a:ea typeface="Verdana" panose="020B0604030504040204" pitchFamily="34" charset="0"/>
+                <a:cs typeface="Verdana" panose="020B0604030504040204" pitchFamily="34" charset="0"/>
+              </a:rPr>
+              <a:t>Classe Cliente - Thread</a:t>
+            </a:r>
+          </a:p>
+        </p:txBody>
+      </p:sp>
+      <p:sp>
+        <p:nvSpPr>
+          <p:cNvPr id="13" name="Retângulo 12"/>
+          <p:cNvSpPr/>
+          <p:nvPr/>
+        </p:nvSpPr>
+        <p:spPr>
+          <a:xfrm flipV="1">
+            <a:off x="-36512" y="476670"/>
+            <a:ext cx="323528" cy="360039"/>
+          </a:xfrm>
+          <a:prstGeom prst="rect">
+            <a:avLst/>
+          </a:prstGeom>
+          <a:solidFill>
+            <a:srgbClr val="149B55"/>
+          </a:solidFill>
+          <a:ln>
+            <a:noFill/>
+          </a:ln>
+        </p:spPr>
+        <p:style>
+          <a:lnRef idx="2">
+            <a:schemeClr val="accent1">
+              <a:shade val="50000"/>
+            </a:schemeClr>
+          </a:lnRef>
+          <a:fillRef idx="1">
+            <a:schemeClr val="accent1"/>
+          </a:fillRef>
+          <a:effectRef idx="0">
+            <a:schemeClr val="accent1"/>
+          </a:effectRef>
+          <a:fontRef idx="minor">
+            <a:schemeClr val="lt1"/>
+          </a:fontRef>
+        </p:style>
+        <p:txBody>
+          <a:bodyPr rtlCol="0" anchor="ctr"/>
+          <a:lstStyle/>
+          <a:p>
+            <a:pPr algn="ctr"/>
+            <a:endParaRPr lang="pt-BR" dirty="0"/>
+          </a:p>
+        </p:txBody>
+      </p:sp>
+      <p:pic>
+        <p:nvPicPr>
+          <p:cNvPr id="3" name="Imagem 2">
+            <a:extLst>
+              <a:ext uri="{FF2B5EF4-FFF2-40B4-BE49-F238E27FC236}">
+                <a16:creationId xmlns:a16="http://schemas.microsoft.com/office/drawing/2014/main" id="{11C762CE-EF39-4C34-AE11-19C289704C73}"/>
+              </a:ext>
+            </a:extLst>
+          </p:cNvPr>
+          <p:cNvPicPr>
+            <a:picLocks noChangeAspect="1"/>
+          </p:cNvPicPr>
+          <p:nvPr/>
+        </p:nvPicPr>
+        <p:blipFill>
+          <a:blip r:embed="rId3"/>
+          <a:stretch>
+            <a:fillRect/>
+          </a:stretch>
+        </p:blipFill>
+        <p:spPr>
+          <a:xfrm>
+            <a:off x="287015" y="2137406"/>
+            <a:ext cx="8562975" cy="2943225"/>
+          </a:xfrm>
+          <a:prstGeom prst="rect">
+            <a:avLst/>
+          </a:prstGeom>
+        </p:spPr>
+      </p:pic>
+    </p:spTree>
+    <p:extLst>
+      <p:ext uri="{BB962C8B-B14F-4D97-AF65-F5344CB8AC3E}">
+        <p14:creationId xmlns:p14="http://schemas.microsoft.com/office/powerpoint/2010/main" val="930462858"/>
+      </p:ext>
+    </p:extLst>
+  </p:cSld>
+  <p:clrMapOvr>
+    <a:masterClrMapping/>
+  </p:clrMapOvr>
+</p:sld>
+</file>
+
+<file path=ppt/slides/slide17.xml><?xml version="1.0" encoding="utf-8"?>
+<p:sld xmlns:a="http://schemas.openxmlformats.org/drawingml/2006/main" xmlns:r="http://schemas.openxmlformats.org/officeDocument/2006/relationships" xmlns:p="http://schemas.openxmlformats.org/presentationml/2006/main">
+  <p:cSld>
+    <p:spTree>
+      <p:nvGrpSpPr>
+        <p:cNvPr id="1" name=""/>
+        <p:cNvGrpSpPr/>
+        <p:nvPr/>
+      </p:nvGrpSpPr>
+      <p:grpSpPr>
+        <a:xfrm>
+          <a:off x="0" y="0"/>
+          <a:ext cx="0" cy="0"/>
+          <a:chOff x="0" y="0"/>
+          <a:chExt cx="0" cy="0"/>
+        </a:xfrm>
+      </p:grpSpPr>
+      <p:pic>
+        <p:nvPicPr>
+          <p:cNvPr id="8" name="Imagem 7"/>
+          <p:cNvPicPr>
+            <a:picLocks noChangeAspect="1"/>
+          </p:cNvPicPr>
+          <p:nvPr/>
+        </p:nvPicPr>
+        <p:blipFill>
+          <a:blip r:embed="rId2" cstate="print">
+            <a:extLst>
+              <a:ext uri="{28A0092B-C50C-407E-A947-70E740481C1C}">
+                <a14:useLocalDpi xmlns:a14="http://schemas.microsoft.com/office/drawing/2010/main" val="0"/>
+              </a:ext>
+            </a:extLst>
+          </a:blip>
+          <a:stretch>
+            <a:fillRect/>
+          </a:stretch>
+        </p:blipFill>
+        <p:spPr>
+          <a:xfrm>
+            <a:off x="287015" y="6381328"/>
+            <a:ext cx="1672379" cy="291764"/>
+          </a:xfrm>
+          <a:prstGeom prst="rect">
+            <a:avLst/>
+          </a:prstGeom>
+        </p:spPr>
+      </p:pic>
+      <p:sp>
+        <p:nvSpPr>
+          <p:cNvPr id="13" name="Retângulo 12"/>
+          <p:cNvSpPr/>
+          <p:nvPr/>
+        </p:nvSpPr>
+        <p:spPr>
+          <a:xfrm flipV="1">
+            <a:off x="-36512" y="476670"/>
+            <a:ext cx="323528" cy="360039"/>
+          </a:xfrm>
+          <a:prstGeom prst="rect">
+            <a:avLst/>
+          </a:prstGeom>
+          <a:solidFill>
+            <a:srgbClr val="149B55"/>
+          </a:solidFill>
+          <a:ln>
+            <a:noFill/>
+          </a:ln>
+        </p:spPr>
+        <p:style>
+          <a:lnRef idx="2">
+            <a:schemeClr val="accent1">
+              <a:shade val="50000"/>
+            </a:schemeClr>
+          </a:lnRef>
+          <a:fillRef idx="1">
+            <a:schemeClr val="accent1"/>
+          </a:fillRef>
+          <a:effectRef idx="0">
+            <a:schemeClr val="accent1"/>
+          </a:effectRef>
+          <a:fontRef idx="minor">
+            <a:schemeClr val="lt1"/>
+          </a:fontRef>
+        </p:style>
+        <p:txBody>
+          <a:bodyPr rtlCol="0" anchor="ctr"/>
+          <a:lstStyle/>
+          <a:p>
+            <a:pPr algn="ctr"/>
+            <a:endParaRPr lang="pt-BR" dirty="0"/>
+          </a:p>
+        </p:txBody>
+      </p:sp>
+      <p:pic>
+        <p:nvPicPr>
+          <p:cNvPr id="6" name="Imagem 5">
+            <a:extLst>
+              <a:ext uri="{FF2B5EF4-FFF2-40B4-BE49-F238E27FC236}">
+                <a16:creationId xmlns:a16="http://schemas.microsoft.com/office/drawing/2014/main" id="{71DCFC62-DA09-4182-AB6D-5C437D19E11F}"/>
+              </a:ext>
+            </a:extLst>
+          </p:cNvPr>
+          <p:cNvPicPr>
+            <a:picLocks noChangeAspect="1"/>
+          </p:cNvPicPr>
+          <p:nvPr/>
+        </p:nvPicPr>
+        <p:blipFill>
+          <a:blip r:embed="rId3"/>
+          <a:stretch>
+            <a:fillRect/>
+          </a:stretch>
+        </p:blipFill>
+        <p:spPr>
+          <a:xfrm>
+            <a:off x="1723814" y="460694"/>
+            <a:ext cx="5696372" cy="5747232"/>
+          </a:xfrm>
+          <a:prstGeom prst="rect">
+            <a:avLst/>
+          </a:prstGeom>
+        </p:spPr>
+      </p:pic>
+    </p:spTree>
+    <p:extLst>
+      <p:ext uri="{BB962C8B-B14F-4D97-AF65-F5344CB8AC3E}">
+        <p14:creationId xmlns:p14="http://schemas.microsoft.com/office/powerpoint/2010/main" val="2471675627"/>
+      </p:ext>
+    </p:extLst>
+  </p:cSld>
+  <p:clrMapOvr>
+    <a:masterClrMapping/>
+  </p:clrMapOvr>
+</p:sld>
+</file>
+
+<file path=ppt/slides/slide18.xml><?xml version="1.0" encoding="utf-8"?>
+<p:sld xmlns:a="http://schemas.openxmlformats.org/drawingml/2006/main" xmlns:r="http://schemas.openxmlformats.org/officeDocument/2006/relationships" xmlns:p="http://schemas.openxmlformats.org/presentationml/2006/main">
+  <p:cSld>
+    <p:spTree>
+      <p:nvGrpSpPr>
+        <p:cNvPr id="1" name=""/>
+        <p:cNvGrpSpPr/>
+        <p:nvPr/>
+      </p:nvGrpSpPr>
+      <p:grpSpPr>
+        <a:xfrm>
+          <a:off x="0" y="0"/>
+          <a:ext cx="0" cy="0"/>
+          <a:chOff x="0" y="0"/>
+          <a:chExt cx="0" cy="0"/>
+        </a:xfrm>
+      </p:grpSpPr>
+      <p:pic>
+        <p:nvPicPr>
+          <p:cNvPr id="8" name="Imagem 7"/>
+          <p:cNvPicPr>
+            <a:picLocks noChangeAspect="1"/>
+          </p:cNvPicPr>
+          <p:nvPr/>
+        </p:nvPicPr>
+        <p:blipFill>
+          <a:blip r:embed="rId2" cstate="print">
+            <a:extLst>
+              <a:ext uri="{28A0092B-C50C-407E-A947-70E740481C1C}">
+                <a14:useLocalDpi xmlns:a14="http://schemas.microsoft.com/office/drawing/2010/main" val="0"/>
+              </a:ext>
+            </a:extLst>
+          </a:blip>
+          <a:stretch>
+            <a:fillRect/>
+          </a:stretch>
+        </p:blipFill>
+        <p:spPr>
+          <a:xfrm>
+            <a:off x="287015" y="6381328"/>
+            <a:ext cx="1672379" cy="291764"/>
+          </a:xfrm>
+          <a:prstGeom prst="rect">
+            <a:avLst/>
+          </a:prstGeom>
+        </p:spPr>
+      </p:pic>
+      <p:sp>
+        <p:nvSpPr>
+          <p:cNvPr id="13" name="Retângulo 12"/>
+          <p:cNvSpPr/>
+          <p:nvPr/>
+        </p:nvSpPr>
+        <p:spPr>
+          <a:xfrm flipV="1">
+            <a:off x="-36512" y="476670"/>
+            <a:ext cx="323528" cy="360039"/>
+          </a:xfrm>
+          <a:prstGeom prst="rect">
+            <a:avLst/>
+          </a:prstGeom>
+          <a:solidFill>
+            <a:srgbClr val="149B55"/>
+          </a:solidFill>
+          <a:ln>
+            <a:noFill/>
+          </a:ln>
+        </p:spPr>
+        <p:style>
+          <a:lnRef idx="2">
+            <a:schemeClr val="accent1">
+              <a:shade val="50000"/>
+            </a:schemeClr>
+          </a:lnRef>
+          <a:fillRef idx="1">
+            <a:schemeClr val="accent1"/>
+          </a:fillRef>
+          <a:effectRef idx="0">
+            <a:schemeClr val="accent1"/>
+          </a:effectRef>
+          <a:fontRef idx="minor">
+            <a:schemeClr val="lt1"/>
+          </a:fontRef>
+        </p:style>
+        <p:txBody>
+          <a:bodyPr rtlCol="0" anchor="ctr"/>
+          <a:lstStyle/>
+          <a:p>
+            <a:pPr algn="ctr"/>
+            <a:endParaRPr lang="pt-BR" dirty="0"/>
+          </a:p>
+        </p:txBody>
+      </p:sp>
+      <p:pic>
+        <p:nvPicPr>
+          <p:cNvPr id="5" name="Imagem 4">
+            <a:extLst>
+              <a:ext uri="{FF2B5EF4-FFF2-40B4-BE49-F238E27FC236}">
+                <a16:creationId xmlns:a16="http://schemas.microsoft.com/office/drawing/2014/main" id="{F2A116F8-2CA2-4FA9-B4C9-41FAA464EF27}"/>
+              </a:ext>
+            </a:extLst>
+          </p:cNvPr>
+          <p:cNvPicPr>
+            <a:picLocks noChangeAspect="1"/>
+          </p:cNvPicPr>
+          <p:nvPr/>
+        </p:nvPicPr>
+        <p:blipFill>
+          <a:blip r:embed="rId3"/>
+          <a:stretch>
+            <a:fillRect/>
+          </a:stretch>
+        </p:blipFill>
+        <p:spPr>
+          <a:xfrm>
+            <a:off x="352425" y="1566862"/>
+            <a:ext cx="8439150" cy="3724275"/>
+          </a:xfrm>
+          <a:prstGeom prst="rect">
+            <a:avLst/>
+          </a:prstGeom>
+        </p:spPr>
+      </p:pic>
+    </p:spTree>
+    <p:extLst>
+      <p:ext uri="{BB962C8B-B14F-4D97-AF65-F5344CB8AC3E}">
+        <p14:creationId xmlns:p14="http://schemas.microsoft.com/office/powerpoint/2010/main" val="3400672921"/>
+      </p:ext>
+    </p:extLst>
+  </p:cSld>
+  <p:clrMapOvr>
+    <a:masterClrMapping/>
+  </p:clrMapOvr>
+</p:sld>
+</file>
+
+<file path=ppt/slides/slide19.xml><?xml version="1.0" encoding="utf-8"?>
+<p:sld xmlns:a="http://schemas.openxmlformats.org/drawingml/2006/main" xmlns:r="http://schemas.openxmlformats.org/officeDocument/2006/relationships" xmlns:p="http://schemas.openxmlformats.org/presentationml/2006/main">
+  <p:cSld>
+    <p:spTree>
+      <p:nvGrpSpPr>
+        <p:cNvPr id="1" name=""/>
+        <p:cNvGrpSpPr/>
+        <p:nvPr/>
+      </p:nvGrpSpPr>
+      <p:grpSpPr>
+        <a:xfrm>
+          <a:off x="0" y="0"/>
+          <a:ext cx="0" cy="0"/>
+          <a:chOff x="0" y="0"/>
+          <a:chExt cx="0" cy="0"/>
+        </a:xfrm>
+      </p:grpSpPr>
+      <p:pic>
+        <p:nvPicPr>
+          <p:cNvPr id="8" name="Imagem 7"/>
+          <p:cNvPicPr>
+            <a:picLocks noChangeAspect="1"/>
+          </p:cNvPicPr>
+          <p:nvPr/>
+        </p:nvPicPr>
+        <p:blipFill>
+          <a:blip r:embed="rId2" cstate="print">
+            <a:extLst>
+              <a:ext uri="{28A0092B-C50C-407E-A947-70E740481C1C}">
+                <a14:useLocalDpi xmlns:a14="http://schemas.microsoft.com/office/drawing/2010/main" val="0"/>
+              </a:ext>
+            </a:extLst>
+          </a:blip>
+          <a:stretch>
+            <a:fillRect/>
+          </a:stretch>
+        </p:blipFill>
+        <p:spPr>
+          <a:xfrm>
+            <a:off x="287015" y="6381328"/>
+            <a:ext cx="1672379" cy="291764"/>
+          </a:xfrm>
+          <a:prstGeom prst="rect">
+            <a:avLst/>
+          </a:prstGeom>
+        </p:spPr>
+      </p:pic>
+      <p:sp>
+        <p:nvSpPr>
           <p:cNvPr id="11" name="CaixaDeTexto 10"/>
           <p:cNvSpPr txBox="1"/>
           <p:nvPr/>
@@ -5002,13 +5550,6 @@
           <a:p>
             <a:r>
               <a:rPr lang="pt-BR" sz="1700" dirty="0">
-                <a:effectLst>
-                  <a:outerShdw blurRad="38100" dist="38100" dir="2700000" algn="tl">
-                    <a:srgbClr val="000000">
-                      <a:alpha val="43137"/>
-                    </a:srgbClr>
-                  </a:outerShdw>
-                </a:effectLst>
                 <a:latin typeface="Verdana" panose="020B0604030504040204" pitchFamily="34" charset="0"/>
                 <a:ea typeface="Verdana" panose="020B0604030504040204" pitchFamily="34" charset="0"/>
               </a:rPr>
@@ -5017,13 +5558,6 @@
           </a:p>
           <a:p>
             <a:endParaRPr lang="pt-BR" sz="1700" dirty="0">
-              <a:effectLst>
-                <a:outerShdw blurRad="38100" dist="38100" dir="2700000" algn="tl">
-                  <a:srgbClr val="000000">
-                    <a:alpha val="43137"/>
-                  </a:srgbClr>
-                </a:outerShdw>
-              </a:effectLst>
               <a:latin typeface="Verdana" panose="020B0604030504040204" pitchFamily="34" charset="0"/>
               <a:ea typeface="Verdana" panose="020B0604030504040204" pitchFamily="34" charset="0"/>
             </a:endParaRPr>
@@ -5031,13 +5565,6 @@
           <a:p>
             <a:r>
               <a:rPr lang="pt-BR" sz="1700" b="0" i="0" dirty="0">
-                <a:effectLst>
-                  <a:outerShdw blurRad="38100" dist="38100" dir="2700000" algn="tl">
-                    <a:srgbClr val="000000">
-                      <a:alpha val="43137"/>
-                    </a:srgbClr>
-                  </a:outerShdw>
-                </a:effectLst>
                 <a:latin typeface="Verdana" panose="020B0604030504040204" pitchFamily="34" charset="0"/>
                 <a:ea typeface="Verdana" panose="020B0604030504040204" pitchFamily="34" charset="0"/>
               </a:rPr>
@@ -5987,7 +6514,7 @@
         </p:blipFill>
         <p:spPr>
           <a:xfrm>
-            <a:off x="287014" y="2535585"/>
+            <a:off x="179512" y="2560081"/>
             <a:ext cx="8486775" cy="4142723"/>
           </a:xfrm>
           <a:prstGeom prst="rect">
@@ -6455,7 +6982,7 @@
         </p:blipFill>
         <p:spPr>
           <a:xfrm>
-            <a:off x="223837" y="1684968"/>
+            <a:off x="223837" y="1504950"/>
             <a:ext cx="8696325" cy="3848100"/>
           </a:xfrm>
           <a:prstGeom prst="rect">

--- a/Apresentação.pptx
+++ b/Apresentação.pptx
@@ -6081,7 +6081,7 @@
         </p:nvSpPr>
         <p:spPr>
           <a:xfrm>
-            <a:off x="0" y="6021288"/>
+            <a:off x="-468560" y="5956562"/>
             <a:ext cx="9144000" cy="849531"/>
           </a:xfrm>
           <a:prstGeom prst="rect">
@@ -6118,40 +6118,6 @@
           <a:p>
             <a:pPr algn="ctr"/>
             <a:endParaRPr lang="pt-BR" dirty="0"/>
-          </a:p>
-        </p:txBody>
-      </p:sp>
-      <p:sp>
-        <p:nvSpPr>
-          <p:cNvPr id="8" name="CaixaDeTexto 7"/>
-          <p:cNvSpPr txBox="1"/>
-          <p:nvPr/>
-        </p:nvSpPr>
-        <p:spPr>
-          <a:xfrm>
-            <a:off x="2627784" y="6184443"/>
-            <a:ext cx="6264696" cy="523220"/>
-          </a:xfrm>
-          <a:prstGeom prst="rect">
-            <a:avLst/>
-          </a:prstGeom>
-          <a:noFill/>
-        </p:spPr>
-        <p:txBody>
-          <a:bodyPr wrap="square" rtlCol="0">
-            <a:spAutoFit/>
-          </a:bodyPr>
-          <a:lstStyle/>
-          <a:p>
-            <a:pPr algn="r"/>
-            <a:r>
-              <a:rPr lang="pt-BR" sz="1400" dirty="0">
-                <a:latin typeface="Verdana" panose="020B0604030504040204" pitchFamily="34" charset="0"/>
-                <a:ea typeface="Verdana" panose="020B0604030504040204" pitchFamily="34" charset="0"/>
-                <a:cs typeface="Verdana" panose="020B0604030504040204" pitchFamily="34" charset="0"/>
-              </a:rPr>
-              <a:t>Quando uma imagem merecer maior destaque, utilize este modelo de slide. Você pode adicionar uma descrição curta ou legenda aqui.  </a:t>
-            </a:r>
           </a:p>
         </p:txBody>
       </p:sp>
@@ -6296,13 +6262,19 @@
       </p:sp>
       <p:pic>
         <p:nvPicPr>
-          <p:cNvPr id="14" name="Imagem 13"/>
+          <p:cNvPr id="3" name="Imagem 2" descr="Diagrama, Tabela&#10;&#10;Descrição gerada automaticamente">
+            <a:extLst>
+              <a:ext uri="{FF2B5EF4-FFF2-40B4-BE49-F238E27FC236}">
+                <a16:creationId xmlns:a16="http://schemas.microsoft.com/office/drawing/2014/main" id="{8791721F-1B99-415E-B2C1-FEEBD7334788}"/>
+              </a:ext>
+            </a:extLst>
+          </p:cNvPr>
           <p:cNvPicPr>
             <a:picLocks noChangeAspect="1"/>
           </p:cNvPicPr>
           <p:nvPr/>
         </p:nvPicPr>
-        <p:blipFill rotWithShape="1">
+        <p:blipFill>
           <a:blip r:embed="rId3">
             <a:extLst>
               <a:ext uri="{28A0092B-C50C-407E-A947-70E740481C1C}">
@@ -6310,13 +6282,14 @@
               </a:ext>
             </a:extLst>
           </a:blip>
-          <a:srcRect t="16473" r="20040" b="13384"/>
-          <a:stretch/>
+          <a:stretch>
+            <a:fillRect/>
+          </a:stretch>
         </p:blipFill>
         <p:spPr>
           <a:xfrm>
-            <a:off x="-6248" y="1123873"/>
-            <a:ext cx="9144001" cy="4825407"/>
+            <a:off x="1113455" y="1233607"/>
+            <a:ext cx="6627068" cy="4589954"/>
           </a:xfrm>
           <a:prstGeom prst="rect">
             <a:avLst/>
